--- a/GROUP PROJECT ONE.pptx
+++ b/GROUP PROJECT ONE.pptx
@@ -17,7 +17,7 @@
     <p:sldId id="281" r:id="rId11"/>
     <p:sldId id="267" r:id="rId12"/>
     <p:sldId id="269" r:id="rId13"/>
-    <p:sldId id="270" r:id="rId14"/>
+    <p:sldId id="283" r:id="rId14"/>
   </p:sldIdLst>
   <p:sldSz cx="12192000" cy="6858000"/>
   <p:notesSz cx="6858000" cy="9144000"/>
@@ -3112,7 +3112,7 @@
           <a:p>
             <a:fld id="{A590233E-8B19-4A7D-92DA-F9A26AC3AC10}" type="datetimeFigureOut">
               <a:rPr lang="en-AU" smtClean="0"/>
-              <a:t>9/10/2020</a:t>
+              <a:t>10/10/2020</a:t>
             </a:fld>
             <a:endParaRPr lang="en-AU"/>
           </a:p>
@@ -3282,7 +3282,7 @@
           <a:p>
             <a:fld id="{A590233E-8B19-4A7D-92DA-F9A26AC3AC10}" type="datetimeFigureOut">
               <a:rPr lang="en-AU" smtClean="0"/>
-              <a:t>9/10/2020</a:t>
+              <a:t>10/10/2020</a:t>
             </a:fld>
             <a:endParaRPr lang="en-AU"/>
           </a:p>
@@ -3462,7 +3462,7 @@
           <a:p>
             <a:fld id="{A590233E-8B19-4A7D-92DA-F9A26AC3AC10}" type="datetimeFigureOut">
               <a:rPr lang="en-AU" smtClean="0"/>
-              <a:t>9/10/2020</a:t>
+              <a:t>10/10/2020</a:t>
             </a:fld>
             <a:endParaRPr lang="en-AU"/>
           </a:p>
@@ -3632,7 +3632,7 @@
           <a:p>
             <a:fld id="{A590233E-8B19-4A7D-92DA-F9A26AC3AC10}" type="datetimeFigureOut">
               <a:rPr lang="en-AU" smtClean="0"/>
-              <a:t>9/10/2020</a:t>
+              <a:t>10/10/2020</a:t>
             </a:fld>
             <a:endParaRPr lang="en-AU"/>
           </a:p>
@@ -3878,7 +3878,7 @@
           <a:p>
             <a:fld id="{A590233E-8B19-4A7D-92DA-F9A26AC3AC10}" type="datetimeFigureOut">
               <a:rPr lang="en-AU" smtClean="0"/>
-              <a:t>9/10/2020</a:t>
+              <a:t>10/10/2020</a:t>
             </a:fld>
             <a:endParaRPr lang="en-AU"/>
           </a:p>
@@ -4110,7 +4110,7 @@
           <a:p>
             <a:fld id="{A590233E-8B19-4A7D-92DA-F9A26AC3AC10}" type="datetimeFigureOut">
               <a:rPr lang="en-AU" smtClean="0"/>
-              <a:t>9/10/2020</a:t>
+              <a:t>10/10/2020</a:t>
             </a:fld>
             <a:endParaRPr lang="en-AU"/>
           </a:p>
@@ -4477,7 +4477,7 @@
           <a:p>
             <a:fld id="{A590233E-8B19-4A7D-92DA-F9A26AC3AC10}" type="datetimeFigureOut">
               <a:rPr lang="en-AU" smtClean="0"/>
-              <a:t>9/10/2020</a:t>
+              <a:t>10/10/2020</a:t>
             </a:fld>
             <a:endParaRPr lang="en-AU"/>
           </a:p>
@@ -4595,7 +4595,7 @@
           <a:p>
             <a:fld id="{A590233E-8B19-4A7D-92DA-F9A26AC3AC10}" type="datetimeFigureOut">
               <a:rPr lang="en-AU" smtClean="0"/>
-              <a:t>9/10/2020</a:t>
+              <a:t>10/10/2020</a:t>
             </a:fld>
             <a:endParaRPr lang="en-AU"/>
           </a:p>
@@ -4690,7 +4690,7 @@
           <a:p>
             <a:fld id="{A590233E-8B19-4A7D-92DA-F9A26AC3AC10}" type="datetimeFigureOut">
               <a:rPr lang="en-AU" smtClean="0"/>
-              <a:t>9/10/2020</a:t>
+              <a:t>10/10/2020</a:t>
             </a:fld>
             <a:endParaRPr lang="en-AU"/>
           </a:p>
@@ -4967,7 +4967,7 @@
           <a:p>
             <a:fld id="{A590233E-8B19-4A7D-92DA-F9A26AC3AC10}" type="datetimeFigureOut">
               <a:rPr lang="en-AU" smtClean="0"/>
-              <a:t>9/10/2020</a:t>
+              <a:t>10/10/2020</a:t>
             </a:fld>
             <a:endParaRPr lang="en-AU"/>
           </a:p>
@@ -5224,7 +5224,7 @@
           <a:p>
             <a:fld id="{A590233E-8B19-4A7D-92DA-F9A26AC3AC10}" type="datetimeFigureOut">
               <a:rPr lang="en-AU" smtClean="0"/>
-              <a:t>9/10/2020</a:t>
+              <a:t>10/10/2020</a:t>
             </a:fld>
             <a:endParaRPr lang="en-AU"/>
           </a:p>
@@ -5437,7 +5437,7 @@
           <a:p>
             <a:fld id="{A590233E-8B19-4A7D-92DA-F9A26AC3AC10}" type="datetimeFigureOut">
               <a:rPr lang="en-AU" smtClean="0"/>
-              <a:t>9/10/2020</a:t>
+              <a:t>10/10/2020</a:t>
             </a:fld>
             <a:endParaRPr lang="en-AU"/>
           </a:p>
@@ -7163,12 +7163,12 @@
           <a:chExt cx="0" cy="0"/>
         </a:xfrm>
       </p:grpSpPr>
-      <p:sp>
+      <p:sp useBgFill="1">
         <p:nvSpPr>
-          <p:cNvPr id="21" name="Rectangle 18">
+          <p:cNvPr id="14" name="Rectangle 13">
             <a:extLst>
               <a:ext uri="{FF2B5EF4-FFF2-40B4-BE49-F238E27FC236}">
-                <a16:creationId xmlns:a16="http://schemas.microsoft.com/office/drawing/2014/main" id="{42A4FC2C-047E-45A5-965D-8E1E3BF09BC6}"/>
+                <a16:creationId xmlns:a16="http://schemas.microsoft.com/office/drawing/2014/main" id="{4F7B9026-36AD-42E4-B172-8D68F3A339B4}"/>
               </a:ext>
               <a:ext uri="{C183D7F6-B498-43B3-948B-1728B52AA6E4}">
                 <adec:decorative xmlns:adec="http://schemas.microsoft.com/office/drawing/2017/decorative" val="1"/>
@@ -7194,7 +7194,6 @@
           <a:prstGeom prst="rect">
             <a:avLst/>
           </a:prstGeom>
-          <a:noFill/>
           <a:ln>
             <a:noFill/>
           </a:ln>
@@ -7320,10 +7319,10 @@
       </p:sp>
       <p:pic>
         <p:nvPicPr>
-          <p:cNvPr id="5" name="Picture 4">
+          <p:cNvPr id="8" name="Picture 7">
             <a:extLst>
               <a:ext uri="{FF2B5EF4-FFF2-40B4-BE49-F238E27FC236}">
-                <a16:creationId xmlns:a16="http://schemas.microsoft.com/office/drawing/2014/main" id="{A79A55C7-D975-4E9F-AA17-AC04E6844B18}"/>
+                <a16:creationId xmlns:a16="http://schemas.microsoft.com/office/drawing/2014/main" id="{4F14973E-5B15-4C90-94C8-71C97C9993AF}"/>
               </a:ext>
             </a:extLst>
           </p:cNvPr>
@@ -7334,59 +7333,77 @@
         </p:nvPicPr>
         <p:blipFill rotWithShape="1">
           <a:blip r:embed="rId2"/>
-          <a:srcRect l="16335" r="6762" b="-1"/>
+          <a:srcRect l="11244" r="33876"/>
           <a:stretch/>
         </p:blipFill>
         <p:spPr>
           <a:xfrm>
-            <a:off x="20" y="1282"/>
-            <a:ext cx="12191980" cy="6856718"/>
+            <a:off x="192528" y="171716"/>
+            <a:ext cx="3793268" cy="6514565"/>
           </a:xfrm>
           <a:prstGeom prst="rect">
             <a:avLst/>
           </a:prstGeom>
         </p:spPr>
       </p:pic>
-      <p:sp>
-        <p:nvSpPr>
-          <p:cNvPr id="6" name="TextBox 5">
+      <p:pic>
+        <p:nvPicPr>
+          <p:cNvPr id="9" name="Picture 8">
             <a:extLst>
               <a:ext uri="{FF2B5EF4-FFF2-40B4-BE49-F238E27FC236}">
-                <a16:creationId xmlns:a16="http://schemas.microsoft.com/office/drawing/2014/main" id="{74112B43-1520-4937-8E73-09D76CC9F2BB}"/>
+                <a16:creationId xmlns:a16="http://schemas.microsoft.com/office/drawing/2014/main" id="{F15BE0B9-FAF8-4684-BF48-C74F4D697370}"/>
               </a:ext>
             </a:extLst>
           </p:cNvPr>
-          <p:cNvSpPr txBox="1"/>
+          <p:cNvPicPr>
+            <a:picLocks noChangeAspect="1"/>
+          </p:cNvPicPr>
           <p:nvPr/>
-        </p:nvSpPr>
+        </p:nvPicPr>
+        <p:blipFill rotWithShape="1">
+          <a:blip r:embed="rId3"/>
+          <a:srcRect l="15300" r="22270" b="-3"/>
+          <a:stretch/>
+        </p:blipFill>
         <p:spPr>
           <a:xfrm>
-            <a:off x="7368209" y="6110272"/>
-            <a:ext cx="4822267" cy="400110"/>
+            <a:off x="4184538" y="171716"/>
+            <a:ext cx="3822924" cy="6514565"/>
           </a:xfrm>
           <a:prstGeom prst="rect">
             <a:avLst/>
           </a:prstGeom>
-          <a:solidFill>
-            <a:schemeClr val="bg1"/>
-          </a:solidFill>
         </p:spPr>
-        <p:txBody>
-          <a:bodyPr wrap="square" rtlCol="0">
-            <a:spAutoFit/>
-          </a:bodyPr>
-          <a:lstStyle/>
-          <a:p>
-            <a:r>
-              <a:rPr lang="en-AU" sz="2000" b="1" dirty="0">
-                <a:latin typeface="Arial" panose="020B0604020202020204" pitchFamily="34" charset="0"/>
-                <a:cs typeface="Arial" panose="020B0604020202020204" pitchFamily="34" charset="0"/>
-              </a:rPr>
-              <a:t>    MELBOURNE ZOMATO HEAT MAP</a:t>
-            </a:r>
-          </a:p>
-        </p:txBody>
-      </p:sp>
+      </p:pic>
+      <p:pic>
+        <p:nvPicPr>
+          <p:cNvPr id="7" name="Picture 6">
+            <a:extLst>
+              <a:ext uri="{FF2B5EF4-FFF2-40B4-BE49-F238E27FC236}">
+                <a16:creationId xmlns:a16="http://schemas.microsoft.com/office/drawing/2014/main" id="{6F478F72-82D5-444B-B992-85B58A2F5B92}"/>
+              </a:ext>
+            </a:extLst>
+          </p:cNvPr>
+          <p:cNvPicPr>
+            <a:picLocks noChangeAspect="1"/>
+          </p:cNvPicPr>
+          <p:nvPr/>
+        </p:nvPicPr>
+        <p:blipFill rotWithShape="1">
+          <a:blip r:embed="rId4"/>
+          <a:srcRect l="17356" r="19599" b="-3"/>
+          <a:stretch/>
+        </p:blipFill>
+        <p:spPr>
+          <a:xfrm>
+            <a:off x="8188032" y="171716"/>
+            <a:ext cx="3799007" cy="6514565"/>
+          </a:xfrm>
+          <a:prstGeom prst="rect">
+            <a:avLst/>
+          </a:prstGeom>
+        </p:spPr>
+      </p:pic>
     </p:spTree>
     <p:extLst>
       <p:ext uri="{BB962C8B-B14F-4D97-AF65-F5344CB8AC3E}">
@@ -7406,7 +7423,268 @@
     <p:bg>
       <p:bgPr>
         <a:solidFill>
-          <a:schemeClr val="bg1"/>
+          <a:srgbClr val="000F2E"/>
+        </a:solidFill>
+        <a:effectLst/>
+      </p:bgPr>
+    </p:bg>
+    <p:spTree>
+      <p:nvGrpSpPr>
+        <p:cNvPr id="1" name=""/>
+        <p:cNvGrpSpPr/>
+        <p:nvPr/>
+      </p:nvGrpSpPr>
+      <p:grpSpPr>
+        <a:xfrm>
+          <a:off x="0" y="0"/>
+          <a:ext cx="0" cy="0"/>
+          <a:chOff x="0" y="0"/>
+          <a:chExt cx="0" cy="0"/>
+        </a:xfrm>
+      </p:grpSpPr>
+      <p:sp>
+        <p:nvSpPr>
+          <p:cNvPr id="22" name="Rectangle 15">
+            <a:extLst>
+              <a:ext uri="{FF2B5EF4-FFF2-40B4-BE49-F238E27FC236}">
+                <a16:creationId xmlns:a16="http://schemas.microsoft.com/office/drawing/2014/main" id="{873D1266-90B6-4C24-80C2-29868E71405C}"/>
+              </a:ext>
+              <a:ext uri="{C183D7F6-B498-43B3-948B-1728B52AA6E4}">
+                <adec:decorative xmlns:adec="http://schemas.microsoft.com/office/drawing/2017/decorative" val="1"/>
+              </a:ext>
+            </a:extLst>
+          </p:cNvPr>
+          <p:cNvSpPr>
+            <a:spLocks noGrp="1" noRot="1" noChangeAspect="1" noMove="1" noResize="1" noEditPoints="1" noAdjustHandles="1" noChangeArrowheads="1" noChangeShapeType="1" noTextEdit="1"/>
+          </p:cNvSpPr>
+          <p:nvPr>
+            <p:extLst>
+              <p:ext uri="{386F3935-93C4-4BCD-93E2-E3B085C9AB24}">
+                <p16:designElem xmlns:p16="http://schemas.microsoft.com/office/powerpoint/2015/main" val="1"/>
+              </p:ext>
+            </p:extLst>
+          </p:nvPr>
+        </p:nvSpPr>
+        <p:spPr>
+          <a:xfrm>
+            <a:off x="0" y="0"/>
+            <a:ext cx="4483100" cy="2159000"/>
+          </a:xfrm>
+          <a:prstGeom prst="rect">
+            <a:avLst/>
+          </a:prstGeom>
+          <a:solidFill>
+            <a:schemeClr val="tx1">
+              <a:alpha val="50000"/>
+            </a:schemeClr>
+          </a:solidFill>
+          <a:ln>
+            <a:noFill/>
+          </a:ln>
+        </p:spPr>
+        <p:style>
+          <a:lnRef idx="2">
+            <a:schemeClr val="accent1">
+              <a:shade val="50000"/>
+            </a:schemeClr>
+          </a:lnRef>
+          <a:fillRef idx="1">
+            <a:schemeClr val="accent1"/>
+          </a:fillRef>
+          <a:effectRef idx="0">
+            <a:schemeClr val="accent1"/>
+          </a:effectRef>
+          <a:fontRef idx="minor">
+            <a:schemeClr val="lt1"/>
+          </a:fontRef>
+        </p:style>
+        <p:txBody>
+          <a:bodyPr rtlCol="0" anchor="ctr"/>
+          <a:lstStyle/>
+          <a:p>
+            <a:pPr algn="ctr"/>
+            <a:endParaRPr lang="en-US"/>
+          </a:p>
+        </p:txBody>
+      </p:sp>
+      <p:pic>
+        <p:nvPicPr>
+          <p:cNvPr id="11" name="Picture 10">
+            <a:extLst>
+              <a:ext uri="{FF2B5EF4-FFF2-40B4-BE49-F238E27FC236}">
+                <a16:creationId xmlns:a16="http://schemas.microsoft.com/office/drawing/2014/main" id="{BAD5123A-CED5-4421-A4C2-D2808FD0DE9A}"/>
+              </a:ext>
+            </a:extLst>
+          </p:cNvPr>
+          <p:cNvPicPr>
+            <a:picLocks noChangeAspect="1"/>
+          </p:cNvPicPr>
+          <p:nvPr/>
+        </p:nvPicPr>
+        <p:blipFill rotWithShape="1">
+          <a:blip r:embed="rId2"/>
+          <a:srcRect l="49770" r="-1" b="-1"/>
+          <a:stretch/>
+        </p:blipFill>
+        <p:spPr>
+          <a:xfrm>
+            <a:off x="4662931" y="-3041"/>
+            <a:ext cx="7534660" cy="4575047"/>
+          </a:xfrm>
+          <a:prstGeom prst="rect">
+            <a:avLst/>
+          </a:prstGeom>
+          <a:effectLst/>
+        </p:spPr>
+      </p:pic>
+      <p:pic>
+        <p:nvPicPr>
+          <p:cNvPr id="7" name="Picture 6" descr="Map&#10;&#10;Description automatically generated">
+            <a:extLst>
+              <a:ext uri="{FF2B5EF4-FFF2-40B4-BE49-F238E27FC236}">
+                <a16:creationId xmlns:a16="http://schemas.microsoft.com/office/drawing/2014/main" id="{7AA997DD-9B6E-4C91-BBDA-8EAA10DC7F09}"/>
+              </a:ext>
+            </a:extLst>
+          </p:cNvPr>
+          <p:cNvPicPr>
+            <a:picLocks noChangeAspect="1"/>
+          </p:cNvPicPr>
+          <p:nvPr/>
+        </p:nvPicPr>
+        <p:blipFill rotWithShape="1">
+          <a:blip r:embed="rId3">
+            <a:extLst>
+              <a:ext uri="{28A0092B-C50C-407E-A947-70E740481C1C}">
+                <a14:useLocalDpi xmlns:a14="http://schemas.microsoft.com/office/drawing/2010/main" val="0"/>
+              </a:ext>
+            </a:extLst>
+          </a:blip>
+          <a:srcRect l="27854" r="1337" b="-2"/>
+          <a:stretch/>
+        </p:blipFill>
+        <p:spPr>
+          <a:xfrm>
+            <a:off x="20" y="2319867"/>
+            <a:ext cx="8181204" cy="4535019"/>
+          </a:xfrm>
+          <a:custGeom>
+            <a:avLst/>
+            <a:gdLst/>
+            <a:ahLst/>
+            <a:cxnLst/>
+            <a:rect l="l" t="t" r="r" b="b"/>
+            <a:pathLst>
+              <a:path w="8181224" h="4535019">
+                <a:moveTo>
+                  <a:pt x="0" y="0"/>
+                </a:moveTo>
+                <a:lnTo>
+                  <a:pt x="4483100" y="0"/>
+                </a:lnTo>
+                <a:lnTo>
+                  <a:pt x="4483100" y="2404532"/>
+                </a:lnTo>
+                <a:lnTo>
+                  <a:pt x="8181224" y="2404532"/>
+                </a:lnTo>
+                <a:lnTo>
+                  <a:pt x="8181224" y="4535019"/>
+                </a:lnTo>
+                <a:lnTo>
+                  <a:pt x="0" y="4535019"/>
+                </a:lnTo>
+                <a:close/>
+              </a:path>
+            </a:pathLst>
+          </a:custGeom>
+        </p:spPr>
+      </p:pic>
+      <p:sp>
+        <p:nvSpPr>
+          <p:cNvPr id="23" name="Rectangle 17">
+            <a:extLst>
+              <a:ext uri="{FF2B5EF4-FFF2-40B4-BE49-F238E27FC236}">
+                <a16:creationId xmlns:a16="http://schemas.microsoft.com/office/drawing/2014/main" id="{D2CBF7C7-CEB6-4485-BB17-6931944B905E}"/>
+              </a:ext>
+              <a:ext uri="{C183D7F6-B498-43B3-948B-1728B52AA6E4}">
+                <adec:decorative xmlns:adec="http://schemas.microsoft.com/office/drawing/2017/decorative" val="1"/>
+              </a:ext>
+            </a:extLst>
+          </p:cNvPr>
+          <p:cNvSpPr>
+            <a:spLocks noGrp="1" noRot="1" noChangeAspect="1" noMove="1" noResize="1" noEditPoints="1" noAdjustHandles="1" noChangeArrowheads="1" noChangeShapeType="1" noTextEdit="1"/>
+          </p:cNvSpPr>
+          <p:nvPr>
+            <p:extLst>
+              <p:ext uri="{386F3935-93C4-4BCD-93E2-E3B085C9AB24}">
+                <p16:designElem xmlns:p16="http://schemas.microsoft.com/office/powerpoint/2015/main" val="1"/>
+              </p:ext>
+            </p:extLst>
+          </p:nvPr>
+        </p:nvSpPr>
+        <p:spPr>
+          <a:xfrm>
+            <a:off x="8333624" y="4727513"/>
+            <a:ext cx="3863963" cy="2130487"/>
+          </a:xfrm>
+          <a:prstGeom prst="rect">
+            <a:avLst/>
+          </a:prstGeom>
+          <a:solidFill>
+            <a:schemeClr val="bg2">
+              <a:lumMod val="90000"/>
+              <a:alpha val="80000"/>
+            </a:schemeClr>
+          </a:solidFill>
+          <a:ln>
+            <a:noFill/>
+          </a:ln>
+        </p:spPr>
+        <p:style>
+          <a:lnRef idx="2">
+            <a:schemeClr val="accent1">
+              <a:shade val="50000"/>
+            </a:schemeClr>
+          </a:lnRef>
+          <a:fillRef idx="1">
+            <a:schemeClr val="accent1"/>
+          </a:fillRef>
+          <a:effectRef idx="0">
+            <a:schemeClr val="accent1"/>
+          </a:effectRef>
+          <a:fontRef idx="minor">
+            <a:schemeClr val="lt1"/>
+          </a:fontRef>
+        </p:style>
+        <p:txBody>
+          <a:bodyPr rtlCol="0" anchor="ctr"/>
+          <a:lstStyle/>
+          <a:p>
+            <a:pPr algn="ctr"/>
+            <a:endParaRPr lang="en-US"/>
+          </a:p>
+        </p:txBody>
+      </p:sp>
+    </p:spTree>
+    <p:extLst>
+      <p:ext uri="{BB962C8B-B14F-4D97-AF65-F5344CB8AC3E}">
+        <p14:creationId xmlns:p14="http://schemas.microsoft.com/office/powerpoint/2010/main" val="2665818704"/>
+      </p:ext>
+    </p:extLst>
+  </p:cSld>
+  <p:clrMapOvr>
+    <a:masterClrMapping/>
+  </p:clrMapOvr>
+</p:sld>
+</file>
+
+<file path=ppt/slides/slide13.xml><?xml version="1.0" encoding="utf-8"?>
+<p:sld xmlns:a="http://schemas.openxmlformats.org/drawingml/2006/main" xmlns:r="http://schemas.openxmlformats.org/officeDocument/2006/relationships" xmlns:p="http://schemas.openxmlformats.org/presentationml/2006/main">
+  <p:cSld>
+    <p:bg>
+      <p:bgPr>
+        <a:solidFill>
+          <a:schemeClr val="tx1"/>
         </a:solidFill>
         <a:effectLst/>
       </p:bgPr>
@@ -7430,7 +7708,7 @@
           <p:cNvPr id="10" name="Rectangle 9">
             <a:extLst>
               <a:ext uri="{FF2B5EF4-FFF2-40B4-BE49-F238E27FC236}">
-                <a16:creationId xmlns:a16="http://schemas.microsoft.com/office/drawing/2014/main" id="{42A4FC2C-047E-45A5-965D-8E1E3BF09BC6}"/>
+                <a16:creationId xmlns:a16="http://schemas.microsoft.com/office/drawing/2014/main" id="{6FF0F0B8-5B06-4174-9742-1FD7ABE712A7}"/>
               </a:ext>
               <a:ext uri="{C183D7F6-B498-43B3-948B-1728B52AA6E4}">
                 <adec:decorative xmlns:adec="http://schemas.microsoft.com/office/drawing/2017/decorative" val="1"/>
@@ -7448,15 +7726,19 @@
             </p:extLst>
           </p:nvPr>
         </p:nvSpPr>
-        <p:spPr bwMode="white">
+        <p:spPr>
           <a:xfrm>
-            <a:off x="1524" y="0"/>
-            <a:ext cx="12188952" cy="6858000"/>
+            <a:off x="0" y="0"/>
+            <a:ext cx="12192000" cy="6858000"/>
           </a:xfrm>
           <a:prstGeom prst="rect">
             <a:avLst/>
           </a:prstGeom>
-          <a:noFill/>
+          <a:solidFill>
+            <a:schemeClr val="tx1">
+              <a:alpha val="22000"/>
+            </a:schemeClr>
+          </a:solidFill>
           <a:ln>
             <a:noFill/>
           </a:ln>
@@ -7479,101 +7761,7 @@
         </p:style>
         <p:txBody>
           <a:bodyPr rtlCol="0" anchor="ctr"/>
-          <a:lstStyle>
-            <a:defPPr>
-              <a:defRPr lang="en-US"/>
-            </a:defPPr>
-            <a:lvl1pPr marL="0" algn="l" defTabSz="914400" rtl="0" eaLnBrk="1" latinLnBrk="0" hangingPunct="1">
-              <a:defRPr sz="1800" kern="1200">
-                <a:solidFill>
-                  <a:schemeClr val="lt1"/>
-                </a:solidFill>
-                <a:latin typeface="+mn-lt"/>
-                <a:ea typeface="+mn-ea"/>
-                <a:cs typeface="+mn-cs"/>
-              </a:defRPr>
-            </a:lvl1pPr>
-            <a:lvl2pPr marL="457200" algn="l" defTabSz="914400" rtl="0" eaLnBrk="1" latinLnBrk="0" hangingPunct="1">
-              <a:defRPr sz="1800" kern="1200">
-                <a:solidFill>
-                  <a:schemeClr val="lt1"/>
-                </a:solidFill>
-                <a:latin typeface="+mn-lt"/>
-                <a:ea typeface="+mn-ea"/>
-                <a:cs typeface="+mn-cs"/>
-              </a:defRPr>
-            </a:lvl2pPr>
-            <a:lvl3pPr marL="914400" algn="l" defTabSz="914400" rtl="0" eaLnBrk="1" latinLnBrk="0" hangingPunct="1">
-              <a:defRPr sz="1800" kern="1200">
-                <a:solidFill>
-                  <a:schemeClr val="lt1"/>
-                </a:solidFill>
-                <a:latin typeface="+mn-lt"/>
-                <a:ea typeface="+mn-ea"/>
-                <a:cs typeface="+mn-cs"/>
-              </a:defRPr>
-            </a:lvl3pPr>
-            <a:lvl4pPr marL="1371600" algn="l" defTabSz="914400" rtl="0" eaLnBrk="1" latinLnBrk="0" hangingPunct="1">
-              <a:defRPr sz="1800" kern="1200">
-                <a:solidFill>
-                  <a:schemeClr val="lt1"/>
-                </a:solidFill>
-                <a:latin typeface="+mn-lt"/>
-                <a:ea typeface="+mn-ea"/>
-                <a:cs typeface="+mn-cs"/>
-              </a:defRPr>
-            </a:lvl4pPr>
-            <a:lvl5pPr marL="1828800" algn="l" defTabSz="914400" rtl="0" eaLnBrk="1" latinLnBrk="0" hangingPunct="1">
-              <a:defRPr sz="1800" kern="1200">
-                <a:solidFill>
-                  <a:schemeClr val="lt1"/>
-                </a:solidFill>
-                <a:latin typeface="+mn-lt"/>
-                <a:ea typeface="+mn-ea"/>
-                <a:cs typeface="+mn-cs"/>
-              </a:defRPr>
-            </a:lvl5pPr>
-            <a:lvl6pPr marL="2286000" algn="l" defTabSz="914400" rtl="0" eaLnBrk="1" latinLnBrk="0" hangingPunct="1">
-              <a:defRPr sz="1800" kern="1200">
-                <a:solidFill>
-                  <a:schemeClr val="lt1"/>
-                </a:solidFill>
-                <a:latin typeface="+mn-lt"/>
-                <a:ea typeface="+mn-ea"/>
-                <a:cs typeface="+mn-cs"/>
-              </a:defRPr>
-            </a:lvl6pPr>
-            <a:lvl7pPr marL="2743200" algn="l" defTabSz="914400" rtl="0" eaLnBrk="1" latinLnBrk="0" hangingPunct="1">
-              <a:defRPr sz="1800" kern="1200">
-                <a:solidFill>
-                  <a:schemeClr val="lt1"/>
-                </a:solidFill>
-                <a:latin typeface="+mn-lt"/>
-                <a:ea typeface="+mn-ea"/>
-                <a:cs typeface="+mn-cs"/>
-              </a:defRPr>
-            </a:lvl7pPr>
-            <a:lvl8pPr marL="3200400" algn="l" defTabSz="914400" rtl="0" eaLnBrk="1" latinLnBrk="0" hangingPunct="1">
-              <a:defRPr sz="1800" kern="1200">
-                <a:solidFill>
-                  <a:schemeClr val="lt1"/>
-                </a:solidFill>
-                <a:latin typeface="+mn-lt"/>
-                <a:ea typeface="+mn-ea"/>
-                <a:cs typeface="+mn-cs"/>
-              </a:defRPr>
-            </a:lvl8pPr>
-            <a:lvl9pPr marL="3657600" algn="l" defTabSz="914400" rtl="0" eaLnBrk="1" latinLnBrk="0" hangingPunct="1">
-              <a:defRPr sz="1800" kern="1200">
-                <a:solidFill>
-                  <a:schemeClr val="lt1"/>
-                </a:solidFill>
-                <a:latin typeface="+mn-lt"/>
-                <a:ea typeface="+mn-ea"/>
-                <a:cs typeface="+mn-cs"/>
-              </a:defRPr>
-            </a:lvl9pPr>
-          </a:lstStyle>
+          <a:lstStyle/>
           <a:p>
             <a:pPr algn="ctr"/>
             <a:endParaRPr lang="en-US"/>
@@ -7585,7 +7773,7 @@
           <p:cNvPr id="5" name="Picture 4" descr="Map&#10;&#10;Description automatically generated">
             <a:extLst>
               <a:ext uri="{FF2B5EF4-FFF2-40B4-BE49-F238E27FC236}">
-                <a16:creationId xmlns:a16="http://schemas.microsoft.com/office/drawing/2014/main" id="{C402EEC2-41DF-4A16-B5D7-21D5FC8AAFC2}"/>
+                <a16:creationId xmlns:a16="http://schemas.microsoft.com/office/drawing/2014/main" id="{AB02372F-99BD-4C3F-A2B8-E6525C0638A4}"/>
               </a:ext>
             </a:extLst>
           </p:cNvPr>
@@ -7602,336 +7790,41 @@
               </a:ext>
             </a:extLst>
           </a:blip>
-          <a:srcRect l="16132" r="14077" b="-1"/>
+          <a:srcRect l="23171" r="-1" b="-1"/>
           <a:stretch/>
         </p:blipFill>
         <p:spPr>
           <a:xfrm>
-            <a:off x="20" y="1282"/>
-            <a:ext cx="12191980" cy="6856718"/>
+            <a:off x="643467" y="643467"/>
+            <a:ext cx="10905066" cy="5571066"/>
           </a:xfrm>
           <a:prstGeom prst="rect">
             <a:avLst/>
           </a:prstGeom>
+          <a:ln w="190500">
+            <a:solidFill>
+              <a:srgbClr val="FFFFFF"/>
+            </a:solidFill>
+            <a:miter lim="800000"/>
+          </a:ln>
+          <a:effectLst>
+            <a:outerShdw blurRad="76200" dist="19050" dir="5400000" algn="t" rotWithShape="0">
+              <a:prstClr val="black">
+                <a:alpha val="55000"/>
+              </a:prstClr>
+            </a:outerShdw>
+          </a:effectLst>
         </p:spPr>
       </p:pic>
-      <p:sp>
-        <p:nvSpPr>
-          <p:cNvPr id="6" name="TextBox 5">
-            <a:extLst>
-              <a:ext uri="{FF2B5EF4-FFF2-40B4-BE49-F238E27FC236}">
-                <a16:creationId xmlns:a16="http://schemas.microsoft.com/office/drawing/2014/main" id="{7007609B-F27B-471B-9E4D-6EEC6084111D}"/>
-              </a:ext>
-            </a:extLst>
-          </p:cNvPr>
-          <p:cNvSpPr txBox="1"/>
-          <p:nvPr/>
-        </p:nvSpPr>
-        <p:spPr>
-          <a:xfrm>
-            <a:off x="7368209" y="6110272"/>
-            <a:ext cx="4822267" cy="400110"/>
-          </a:xfrm>
-          <a:prstGeom prst="rect">
-            <a:avLst/>
-          </a:prstGeom>
-          <a:solidFill>
-            <a:schemeClr val="bg1"/>
-          </a:solidFill>
-        </p:spPr>
-        <p:txBody>
-          <a:bodyPr wrap="square" rtlCol="0">
-            <a:spAutoFit/>
-          </a:bodyPr>
-          <a:lstStyle/>
-          <a:p>
-            <a:r>
-              <a:rPr lang="en-AU" sz="2000" b="1" dirty="0">
-                <a:latin typeface="Arial" panose="020B0604020202020204" pitchFamily="34" charset="0"/>
-                <a:cs typeface="Arial" panose="020B0604020202020204" pitchFamily="34" charset="0"/>
-              </a:rPr>
-              <a:t>       SYDNEY ZOMATO HEAT MAP</a:t>
-            </a:r>
-          </a:p>
-        </p:txBody>
-      </p:sp>
     </p:spTree>
     <p:extLst>
       <p:ext uri="{BB962C8B-B14F-4D97-AF65-F5344CB8AC3E}">
-        <p14:creationId xmlns:p14="http://schemas.microsoft.com/office/powerpoint/2010/main" val="2665818704"/>
+        <p14:creationId xmlns:p14="http://schemas.microsoft.com/office/powerpoint/2010/main" val="4071612276"/>
       </p:ext>
     </p:extLst>
   </p:cSld>
   <p:clrMapOvr>
-    <a:masterClrMapping/>
-  </p:clrMapOvr>
-</p:sld>
-</file>
-
-<file path=ppt/slides/slide13.xml><?xml version="1.0" encoding="utf-8"?>
-<p:sld xmlns:a="http://schemas.openxmlformats.org/drawingml/2006/main" xmlns:r="http://schemas.openxmlformats.org/officeDocument/2006/relationships" xmlns:p="http://schemas.openxmlformats.org/presentationml/2006/main">
-  <p:cSld>
-    <p:bg>
-      <p:bgPr>
-        <a:solidFill>
-          <a:schemeClr val="bg1"/>
-        </a:solidFill>
-        <a:effectLst/>
-      </p:bgPr>
-    </p:bg>
-    <p:spTree>
-      <p:nvGrpSpPr>
-        <p:cNvPr id="1" name=""/>
-        <p:cNvGrpSpPr/>
-        <p:nvPr/>
-      </p:nvGrpSpPr>
-      <p:grpSpPr>
-        <a:xfrm>
-          <a:off x="0" y="0"/>
-          <a:ext cx="0" cy="0"/>
-          <a:chOff x="0" y="0"/>
-          <a:chExt cx="0" cy="0"/>
-        </a:xfrm>
-      </p:grpSpPr>
-      <p:sp>
-        <p:nvSpPr>
-          <p:cNvPr id="10" name="Rectangle 9">
-            <a:extLst>
-              <a:ext uri="{FF2B5EF4-FFF2-40B4-BE49-F238E27FC236}">
-                <a16:creationId xmlns:a16="http://schemas.microsoft.com/office/drawing/2014/main" id="{42A4FC2C-047E-45A5-965D-8E1E3BF09BC6}"/>
-              </a:ext>
-              <a:ext uri="{C183D7F6-B498-43B3-948B-1728B52AA6E4}">
-                <adec:decorative xmlns:adec="http://schemas.microsoft.com/office/drawing/2017/decorative" val="1"/>
-              </a:ext>
-            </a:extLst>
-          </p:cNvPr>
-          <p:cNvSpPr>
-            <a:spLocks noGrp="1" noRot="1" noChangeAspect="1" noMove="1" noResize="1" noEditPoints="1" noAdjustHandles="1" noChangeArrowheads="1" noChangeShapeType="1" noTextEdit="1"/>
-          </p:cNvSpPr>
-          <p:nvPr>
-            <p:extLst>
-              <p:ext uri="{386F3935-93C4-4BCD-93E2-E3B085C9AB24}">
-                <p16:designElem xmlns:p16="http://schemas.microsoft.com/office/powerpoint/2015/main" val="1"/>
-              </p:ext>
-            </p:extLst>
-          </p:nvPr>
-        </p:nvSpPr>
-        <p:spPr bwMode="white">
-          <a:xfrm>
-            <a:off x="1524" y="0"/>
-            <a:ext cx="12188952" cy="6858000"/>
-          </a:xfrm>
-          <a:prstGeom prst="rect">
-            <a:avLst/>
-          </a:prstGeom>
-          <a:noFill/>
-          <a:ln>
-            <a:noFill/>
-          </a:ln>
-        </p:spPr>
-        <p:style>
-          <a:lnRef idx="2">
-            <a:schemeClr val="accent1">
-              <a:shade val="50000"/>
-            </a:schemeClr>
-          </a:lnRef>
-          <a:fillRef idx="1">
-            <a:schemeClr val="accent1"/>
-          </a:fillRef>
-          <a:effectRef idx="0">
-            <a:schemeClr val="accent1"/>
-          </a:effectRef>
-          <a:fontRef idx="minor">
-            <a:schemeClr val="lt1"/>
-          </a:fontRef>
-        </p:style>
-        <p:txBody>
-          <a:bodyPr rtlCol="0" anchor="ctr"/>
-          <a:lstStyle>
-            <a:defPPr>
-              <a:defRPr lang="en-US"/>
-            </a:defPPr>
-            <a:lvl1pPr marL="0" algn="l" defTabSz="914400" rtl="0" eaLnBrk="1" latinLnBrk="0" hangingPunct="1">
-              <a:defRPr sz="1800" kern="1200">
-                <a:solidFill>
-                  <a:schemeClr val="lt1"/>
-                </a:solidFill>
-                <a:latin typeface="+mn-lt"/>
-                <a:ea typeface="+mn-ea"/>
-                <a:cs typeface="+mn-cs"/>
-              </a:defRPr>
-            </a:lvl1pPr>
-            <a:lvl2pPr marL="457200" algn="l" defTabSz="914400" rtl="0" eaLnBrk="1" latinLnBrk="0" hangingPunct="1">
-              <a:defRPr sz="1800" kern="1200">
-                <a:solidFill>
-                  <a:schemeClr val="lt1"/>
-                </a:solidFill>
-                <a:latin typeface="+mn-lt"/>
-                <a:ea typeface="+mn-ea"/>
-                <a:cs typeface="+mn-cs"/>
-              </a:defRPr>
-            </a:lvl2pPr>
-            <a:lvl3pPr marL="914400" algn="l" defTabSz="914400" rtl="0" eaLnBrk="1" latinLnBrk="0" hangingPunct="1">
-              <a:defRPr sz="1800" kern="1200">
-                <a:solidFill>
-                  <a:schemeClr val="lt1"/>
-                </a:solidFill>
-                <a:latin typeface="+mn-lt"/>
-                <a:ea typeface="+mn-ea"/>
-                <a:cs typeface="+mn-cs"/>
-              </a:defRPr>
-            </a:lvl3pPr>
-            <a:lvl4pPr marL="1371600" algn="l" defTabSz="914400" rtl="0" eaLnBrk="1" latinLnBrk="0" hangingPunct="1">
-              <a:defRPr sz="1800" kern="1200">
-                <a:solidFill>
-                  <a:schemeClr val="lt1"/>
-                </a:solidFill>
-                <a:latin typeface="+mn-lt"/>
-                <a:ea typeface="+mn-ea"/>
-                <a:cs typeface="+mn-cs"/>
-              </a:defRPr>
-            </a:lvl4pPr>
-            <a:lvl5pPr marL="1828800" algn="l" defTabSz="914400" rtl="0" eaLnBrk="1" latinLnBrk="0" hangingPunct="1">
-              <a:defRPr sz="1800" kern="1200">
-                <a:solidFill>
-                  <a:schemeClr val="lt1"/>
-                </a:solidFill>
-                <a:latin typeface="+mn-lt"/>
-                <a:ea typeface="+mn-ea"/>
-                <a:cs typeface="+mn-cs"/>
-              </a:defRPr>
-            </a:lvl5pPr>
-            <a:lvl6pPr marL="2286000" algn="l" defTabSz="914400" rtl="0" eaLnBrk="1" latinLnBrk="0" hangingPunct="1">
-              <a:defRPr sz="1800" kern="1200">
-                <a:solidFill>
-                  <a:schemeClr val="lt1"/>
-                </a:solidFill>
-                <a:latin typeface="+mn-lt"/>
-                <a:ea typeface="+mn-ea"/>
-                <a:cs typeface="+mn-cs"/>
-              </a:defRPr>
-            </a:lvl6pPr>
-            <a:lvl7pPr marL="2743200" algn="l" defTabSz="914400" rtl="0" eaLnBrk="1" latinLnBrk="0" hangingPunct="1">
-              <a:defRPr sz="1800" kern="1200">
-                <a:solidFill>
-                  <a:schemeClr val="lt1"/>
-                </a:solidFill>
-                <a:latin typeface="+mn-lt"/>
-                <a:ea typeface="+mn-ea"/>
-                <a:cs typeface="+mn-cs"/>
-              </a:defRPr>
-            </a:lvl7pPr>
-            <a:lvl8pPr marL="3200400" algn="l" defTabSz="914400" rtl="0" eaLnBrk="1" latinLnBrk="0" hangingPunct="1">
-              <a:defRPr sz="1800" kern="1200">
-                <a:solidFill>
-                  <a:schemeClr val="lt1"/>
-                </a:solidFill>
-                <a:latin typeface="+mn-lt"/>
-                <a:ea typeface="+mn-ea"/>
-                <a:cs typeface="+mn-cs"/>
-              </a:defRPr>
-            </a:lvl8pPr>
-            <a:lvl9pPr marL="3657600" algn="l" defTabSz="914400" rtl="0" eaLnBrk="1" latinLnBrk="0" hangingPunct="1">
-              <a:defRPr sz="1800" kern="1200">
-                <a:solidFill>
-                  <a:schemeClr val="lt1"/>
-                </a:solidFill>
-                <a:latin typeface="+mn-lt"/>
-                <a:ea typeface="+mn-ea"/>
-                <a:cs typeface="+mn-cs"/>
-              </a:defRPr>
-            </a:lvl9pPr>
-          </a:lstStyle>
-          <a:p>
-            <a:pPr algn="ctr"/>
-            <a:endParaRPr lang="en-US"/>
-          </a:p>
-        </p:txBody>
-      </p:sp>
-      <p:pic>
-        <p:nvPicPr>
-          <p:cNvPr id="5" name="Picture 4" descr="Map&#10;&#10;Description automatically generated">
-            <a:extLst>
-              <a:ext uri="{FF2B5EF4-FFF2-40B4-BE49-F238E27FC236}">
-                <a16:creationId xmlns:a16="http://schemas.microsoft.com/office/drawing/2014/main" id="{493FB53F-C831-44C4-B251-71A94D081B0E}"/>
-              </a:ext>
-            </a:extLst>
-          </p:cNvPr>
-          <p:cNvPicPr>
-            <a:picLocks noChangeAspect="1"/>
-          </p:cNvPicPr>
-          <p:nvPr/>
-        </p:nvPicPr>
-        <p:blipFill rotWithShape="1">
-          <a:blip r:embed="rId2">
-            <a:extLst>
-              <a:ext uri="{28A0092B-C50C-407E-A947-70E740481C1C}">
-                <a14:useLocalDpi xmlns:a14="http://schemas.microsoft.com/office/drawing/2010/main" val="0"/>
-              </a:ext>
-            </a:extLst>
-          </a:blip>
-          <a:srcRect l="14460" r="15749" b="-1"/>
-          <a:stretch/>
-        </p:blipFill>
-        <p:spPr>
-          <a:xfrm>
-            <a:off x="20" y="1282"/>
-            <a:ext cx="12191980" cy="6856718"/>
-          </a:xfrm>
-          <a:prstGeom prst="rect">
-            <a:avLst/>
-          </a:prstGeom>
-        </p:spPr>
-      </p:pic>
-      <p:sp>
-        <p:nvSpPr>
-          <p:cNvPr id="6" name="TextBox 5">
-            <a:extLst>
-              <a:ext uri="{FF2B5EF4-FFF2-40B4-BE49-F238E27FC236}">
-                <a16:creationId xmlns:a16="http://schemas.microsoft.com/office/drawing/2014/main" id="{E4E3A239-67F9-46A4-A48A-432EA95522BF}"/>
-              </a:ext>
-            </a:extLst>
-          </p:cNvPr>
-          <p:cNvSpPr txBox="1"/>
-          <p:nvPr/>
-        </p:nvSpPr>
-        <p:spPr>
-          <a:xfrm>
-            <a:off x="7368209" y="6110272"/>
-            <a:ext cx="4822267" cy="400110"/>
-          </a:xfrm>
-          <a:prstGeom prst="rect">
-            <a:avLst/>
-          </a:prstGeom>
-          <a:solidFill>
-            <a:schemeClr val="bg1"/>
-          </a:solidFill>
-        </p:spPr>
-        <p:txBody>
-          <a:bodyPr wrap="square" rtlCol="0">
-            <a:spAutoFit/>
-          </a:bodyPr>
-          <a:lstStyle/>
-          <a:p>
-            <a:r>
-              <a:rPr lang="en-AU" sz="2000" b="1" dirty="0">
-                <a:latin typeface="Arial" panose="020B0604020202020204" pitchFamily="34" charset="0"/>
-                <a:cs typeface="Arial" panose="020B0604020202020204" pitchFamily="34" charset="0"/>
-              </a:rPr>
-              <a:t>         PERTH ZOMATO HEAT MAP</a:t>
-            </a:r>
-          </a:p>
-        </p:txBody>
-      </p:sp>
-    </p:spTree>
-    <p:extLst>
-      <p:ext uri="{BB962C8B-B14F-4D97-AF65-F5344CB8AC3E}">
-        <p14:creationId xmlns:p14="http://schemas.microsoft.com/office/powerpoint/2010/main" val="1204288231"/>
-      </p:ext>
-    </p:extLst>
-  </p:cSld>
-  <p:clrMapOvr>
-    <a:masterClrMapping/>
+    <a:overrideClrMapping bg1="lt1" tx1="dk1" bg2="lt2" tx2="dk2" accent1="accent1" accent2="accent2" accent3="accent3" accent4="accent4" accent5="accent5" accent6="accent6" hlink="hlink" folHlink="folHlink"/>
   </p:clrMapOvr>
 </p:sld>
 </file>
@@ -9050,7 +8943,7 @@
           <a:lstStyle/>
           <a:p>
             <a:r>
-              <a:rPr lang="en-AU" sz="4800" b="1" i="0" dirty="0">
+              <a:rPr lang="en-AU" sz="4800" b="1" i="0">
                 <a:effectLst/>
                 <a:latin typeface="Arial" panose="020B0604020202020204" pitchFamily="34" charset="0"/>
                 <a:cs typeface="Arial" panose="020B0604020202020204" pitchFamily="34" charset="0"/>

--- a/GROUP PROJECT ONE.pptx
+++ b/GROUP PROJECT ONE.pptx
@@ -9588,7 +9588,7 @@
 </file>
 
 <file path=ppt/slides/slide6.xml><?xml version="1.0" encoding="utf-8"?>
-<p:sld xmlns:a="http://schemas.openxmlformats.org/drawingml/2006/main" xmlns:r="http://schemas.openxmlformats.org/officeDocument/2006/relationships" xmlns:p="http://schemas.openxmlformats.org/presentationml/2006/main">
+<p:sld xmlns:a="http://schemas.openxmlformats.org/drawingml/2006/main" xmlns:r="http://schemas.openxmlformats.org/officeDocument/2006/relationships" xmlns:p="http://schemas.openxmlformats.org/presentationml/2006/main" show="0">
   <p:cSld>
     <p:bg>
       <p:bgPr>
@@ -10067,7 +10067,7 @@
 </file>
 
 <file path=ppt/slides/slide7.xml><?xml version="1.0" encoding="utf-8"?>
-<p:sld xmlns:a="http://schemas.openxmlformats.org/drawingml/2006/main" xmlns:r="http://schemas.openxmlformats.org/officeDocument/2006/relationships" xmlns:p="http://schemas.openxmlformats.org/presentationml/2006/main">
+<p:sld xmlns:a="http://schemas.openxmlformats.org/drawingml/2006/main" xmlns:r="http://schemas.openxmlformats.org/officeDocument/2006/relationships" xmlns:p="http://schemas.openxmlformats.org/presentationml/2006/main" show="0">
   <p:cSld>
     <p:bg>
       <p:bgPr>
@@ -10546,7 +10546,7 @@
 </file>
 
 <file path=ppt/slides/slide8.xml><?xml version="1.0" encoding="utf-8"?>
-<p:sld xmlns:a="http://schemas.openxmlformats.org/drawingml/2006/main" xmlns:r="http://schemas.openxmlformats.org/officeDocument/2006/relationships" xmlns:p="http://schemas.openxmlformats.org/presentationml/2006/main">
+<p:sld xmlns:a="http://schemas.openxmlformats.org/drawingml/2006/main" xmlns:r="http://schemas.openxmlformats.org/officeDocument/2006/relationships" xmlns:p="http://schemas.openxmlformats.org/presentationml/2006/main" show="0">
   <p:cSld>
     <p:bg>
       <p:bgPr>
@@ -11019,7 +11019,7 @@
 </file>
 
 <file path=ppt/slides/slide9.xml><?xml version="1.0" encoding="utf-8"?>
-<p:sld xmlns:a="http://schemas.openxmlformats.org/drawingml/2006/main" xmlns:r="http://schemas.openxmlformats.org/officeDocument/2006/relationships" xmlns:p="http://schemas.openxmlformats.org/presentationml/2006/main">
+<p:sld xmlns:a="http://schemas.openxmlformats.org/drawingml/2006/main" xmlns:r="http://schemas.openxmlformats.org/officeDocument/2006/relationships" xmlns:p="http://schemas.openxmlformats.org/presentationml/2006/main" show="0">
   <p:cSld>
     <p:bg>
       <p:bgPr>

--- a/GROUP PROJECT ONE.pptx
+++ b/GROUP PROJECT ONE.pptx
@@ -7935,7 +7935,7 @@
 </file>
 
 <file path=ppt/slides/slide3.xml><?xml version="1.0" encoding="utf-8"?>
-<p:sld xmlns:a="http://schemas.openxmlformats.org/drawingml/2006/main" xmlns:r="http://schemas.openxmlformats.org/officeDocument/2006/relationships" xmlns:p="http://schemas.openxmlformats.org/presentationml/2006/main">
+<p:sld xmlns:a="http://schemas.openxmlformats.org/drawingml/2006/main" xmlns:r="http://schemas.openxmlformats.org/officeDocument/2006/relationships" xmlns:p="http://schemas.openxmlformats.org/presentationml/2006/main" show="0">
   <p:cSld>
     <p:bg>
       <p:bgPr>
@@ -9425,8 +9425,8 @@
         </p:blipFill>
         <p:spPr>
           <a:xfrm>
-            <a:off x="6071534" y="415308"/>
-            <a:ext cx="4240412" cy="2662569"/>
+            <a:off x="1382765" y="99623"/>
+            <a:ext cx="3833885" cy="2023092"/>
           </a:xfrm>
           <a:prstGeom prst="rect">
             <a:avLst/>
@@ -9435,10 +9435,10 @@
       </p:pic>
       <p:pic>
         <p:nvPicPr>
-          <p:cNvPr id="17" name="Picture 16">
+          <p:cNvPr id="19" name="Picture 18">
             <a:extLst>
               <a:ext uri="{FF2B5EF4-FFF2-40B4-BE49-F238E27FC236}">
-                <a16:creationId xmlns:a16="http://schemas.microsoft.com/office/drawing/2014/main" id="{83BC3748-B576-4A65-8271-06E7134F17B6}"/>
+                <a16:creationId xmlns:a16="http://schemas.microsoft.com/office/drawing/2014/main" id="{BB706A8D-EA94-41B1-B8CB-AB63F502265C}"/>
               </a:ext>
             </a:extLst>
           </p:cNvPr>
@@ -9455,38 +9455,8 @@
         </p:blipFill>
         <p:spPr>
           <a:xfrm>
-            <a:off x="6095999" y="3581400"/>
-            <a:ext cx="4215947" cy="2664213"/>
-          </a:xfrm>
-          <a:prstGeom prst="rect">
-            <a:avLst/>
-          </a:prstGeom>
-        </p:spPr>
-      </p:pic>
-      <p:pic>
-        <p:nvPicPr>
-          <p:cNvPr id="19" name="Picture 18">
-            <a:extLst>
-              <a:ext uri="{FF2B5EF4-FFF2-40B4-BE49-F238E27FC236}">
-                <a16:creationId xmlns:a16="http://schemas.microsoft.com/office/drawing/2014/main" id="{BB706A8D-EA94-41B1-B8CB-AB63F502265C}"/>
-              </a:ext>
-            </a:extLst>
-          </p:cNvPr>
-          <p:cNvPicPr>
-            <a:picLocks noChangeAspect="1"/>
-          </p:cNvPicPr>
-          <p:nvPr/>
-        </p:nvPicPr>
-        <p:blipFill>
-          <a:blip r:embed="rId4"/>
-          <a:stretch>
-            <a:fillRect/>
-          </a:stretch>
-        </p:blipFill>
-        <p:spPr>
-          <a:xfrm>
-            <a:off x="1391701" y="3583043"/>
-            <a:ext cx="3816014" cy="2662570"/>
+            <a:off x="1382764" y="2031583"/>
+            <a:ext cx="3833884" cy="2313334"/>
           </a:xfrm>
           <a:prstGeom prst="rect">
             <a:avLst/>
@@ -9553,7 +9523,7 @@
           <p:nvPr/>
         </p:nvPicPr>
         <p:blipFill>
-          <a:blip r:embed="rId5">
+          <a:blip r:embed="rId4">
             <a:extLst>
               <a:ext uri="{28A0092B-C50C-407E-A947-70E740481C1C}">
                 <a14:useLocalDpi xmlns:a14="http://schemas.microsoft.com/office/drawing/2010/main" val="0"/>
@@ -9566,8 +9536,38 @@
         </p:blipFill>
         <p:spPr>
           <a:xfrm>
-            <a:off x="1391701" y="415308"/>
-            <a:ext cx="3816014" cy="2662569"/>
+            <a:off x="5779015" y="1171095"/>
+            <a:ext cx="4908979" cy="4515173"/>
+          </a:xfrm>
+          <a:prstGeom prst="rect">
+            <a:avLst/>
+          </a:prstGeom>
+        </p:spPr>
+      </p:pic>
+      <p:pic>
+        <p:nvPicPr>
+          <p:cNvPr id="17" name="Picture 16">
+            <a:extLst>
+              <a:ext uri="{FF2B5EF4-FFF2-40B4-BE49-F238E27FC236}">
+                <a16:creationId xmlns:a16="http://schemas.microsoft.com/office/drawing/2014/main" id="{83BC3748-B576-4A65-8271-06E7134F17B6}"/>
+              </a:ext>
+            </a:extLst>
+          </p:cNvPr>
+          <p:cNvPicPr>
+            <a:picLocks noChangeAspect="1"/>
+          </p:cNvPicPr>
+          <p:nvPr/>
+        </p:nvPicPr>
+        <p:blipFill>
+          <a:blip r:embed="rId5"/>
+          <a:stretch>
+            <a:fillRect/>
+          </a:stretch>
+        </p:blipFill>
+        <p:spPr>
+          <a:xfrm>
+            <a:off x="1382765" y="4290487"/>
+            <a:ext cx="3833884" cy="2313335"/>
           </a:xfrm>
           <a:prstGeom prst="rect">
             <a:avLst/>
